--- a/fence.pptx
+++ b/fence.pptx
@@ -14,6 +14,7 @@
     <p:sldId id="268" r:id="rId8"/>
     <p:sldId id="269" r:id="rId9"/>
     <p:sldId id="266" r:id="rId10"/>
+    <p:sldId id="270" r:id="rId11"/>
   </p:sldIdLst>
   <p:sldSz cx="12192000" cy="6858000"/>
   <p:notesSz cx="6858000" cy="9144000"/>
@@ -266,7 +267,7 @@
           <a:lstStyle/>
           <a:p>
             <a:fld id="{5F491023-0B0A-7041-9F06-D25A50EF063B}" type="datetimeFigureOut">
-              <a:t>4/21/23</a:t>
+              <a:t>10/26/24</a:t>
             </a:fld>
             <a:endParaRPr lang="en-US"/>
           </a:p>
@@ -462,7 +463,7 @@
           <a:lstStyle/>
           <a:p>
             <a:fld id="{5F491023-0B0A-7041-9F06-D25A50EF063B}" type="datetimeFigureOut">
-              <a:t>4/21/23</a:t>
+              <a:t>10/26/24</a:t>
             </a:fld>
             <a:endParaRPr lang="en-US"/>
           </a:p>
@@ -668,7 +669,7 @@
           <a:lstStyle/>
           <a:p>
             <a:fld id="{5F491023-0B0A-7041-9F06-D25A50EF063B}" type="datetimeFigureOut">
-              <a:t>4/21/23</a:t>
+              <a:t>10/26/24</a:t>
             </a:fld>
             <a:endParaRPr lang="en-US"/>
           </a:p>
@@ -864,7 +865,7 @@
           <a:lstStyle/>
           <a:p>
             <a:fld id="{5F491023-0B0A-7041-9F06-D25A50EF063B}" type="datetimeFigureOut">
-              <a:t>4/21/23</a:t>
+              <a:t>10/26/24</a:t>
             </a:fld>
             <a:endParaRPr lang="en-US"/>
           </a:p>
@@ -1137,7 +1138,7 @@
           <a:lstStyle/>
           <a:p>
             <a:fld id="{5F491023-0B0A-7041-9F06-D25A50EF063B}" type="datetimeFigureOut">
-              <a:t>4/21/23</a:t>
+              <a:t>10/26/24</a:t>
             </a:fld>
             <a:endParaRPr lang="en-US"/>
           </a:p>
@@ -1400,7 +1401,7 @@
           <a:lstStyle/>
           <a:p>
             <a:fld id="{5F491023-0B0A-7041-9F06-D25A50EF063B}" type="datetimeFigureOut">
-              <a:t>4/21/23</a:t>
+              <a:t>10/26/24</a:t>
             </a:fld>
             <a:endParaRPr lang="en-US"/>
           </a:p>
@@ -1810,7 +1811,7 @@
           <a:lstStyle/>
           <a:p>
             <a:fld id="{5F491023-0B0A-7041-9F06-D25A50EF063B}" type="datetimeFigureOut">
-              <a:t>4/21/23</a:t>
+              <a:t>10/26/24</a:t>
             </a:fld>
             <a:endParaRPr lang="en-US"/>
           </a:p>
@@ -1949,7 +1950,7 @@
           <a:lstStyle/>
           <a:p>
             <a:fld id="{5F491023-0B0A-7041-9F06-D25A50EF063B}" type="datetimeFigureOut">
-              <a:t>4/21/23</a:t>
+              <a:t>10/26/24</a:t>
             </a:fld>
             <a:endParaRPr lang="en-US"/>
           </a:p>
@@ -2060,7 +2061,7 @@
           <a:lstStyle/>
           <a:p>
             <a:fld id="{5F491023-0B0A-7041-9F06-D25A50EF063B}" type="datetimeFigureOut">
-              <a:t>4/21/23</a:t>
+              <a:t>10/26/24</a:t>
             </a:fld>
             <a:endParaRPr lang="en-US"/>
           </a:p>
@@ -2369,7 +2370,7 @@
           <a:lstStyle/>
           <a:p>
             <a:fld id="{5F491023-0B0A-7041-9F06-D25A50EF063B}" type="datetimeFigureOut">
-              <a:t>4/21/23</a:t>
+              <a:t>10/26/24</a:t>
             </a:fld>
             <a:endParaRPr lang="en-US"/>
           </a:p>
@@ -2655,7 +2656,7 @@
           <a:lstStyle/>
           <a:p>
             <a:fld id="{5F491023-0B0A-7041-9F06-D25A50EF063B}" type="datetimeFigureOut">
-              <a:t>4/21/23</a:t>
+              <a:t>10/26/24</a:t>
             </a:fld>
             <a:endParaRPr lang="en-US"/>
           </a:p>
@@ -2894,7 +2895,7 @@
           </a:lstStyle>
           <a:p>
             <a:fld id="{5F491023-0B0A-7041-9F06-D25A50EF063B}" type="datetimeFigureOut">
-              <a:t>4/21/23</a:t>
+              <a:t>10/26/24</a:t>
             </a:fld>
             <a:endParaRPr lang="en-US"/>
           </a:p>
@@ -3399,6 +3400,1216 @@
 </p:sld>
 </file>
 
+<file path=ppt/slides/slide10.xml><?xml version="1.0" encoding="utf-8"?>
+<p:sld xmlns:a="http://schemas.openxmlformats.org/drawingml/2006/main" xmlns:r="http://schemas.openxmlformats.org/officeDocument/2006/relationships" xmlns:p="http://schemas.openxmlformats.org/presentationml/2006/main">
+  <p:cSld>
+    <p:spTree>
+      <p:nvGrpSpPr>
+        <p:cNvPr id="1" name="">
+          <a:extLst>
+            <a:ext uri="{FF2B5EF4-FFF2-40B4-BE49-F238E27FC236}">
+              <a16:creationId xmlns:a16="http://schemas.microsoft.com/office/drawing/2014/main" id="{8FF6B1E7-F662-2A17-6F5F-FC59B1BD712D}"/>
+            </a:ext>
+          </a:extLst>
+        </p:cNvPr>
+        <p:cNvGrpSpPr/>
+        <p:nvPr/>
+      </p:nvGrpSpPr>
+      <p:grpSpPr>
+        <a:xfrm>
+          <a:off x="0" y="0"/>
+          <a:ext cx="0" cy="0"/>
+          <a:chOff x="0" y="0"/>
+          <a:chExt cx="0" cy="0"/>
+        </a:xfrm>
+      </p:grpSpPr>
+      <p:sp>
+        <p:nvSpPr>
+          <p:cNvPr id="3" name="TextBox 2">
+            <a:extLst>
+              <a:ext uri="{FF2B5EF4-FFF2-40B4-BE49-F238E27FC236}">
+                <a16:creationId xmlns:a16="http://schemas.microsoft.com/office/drawing/2014/main" id="{76538F5B-99F4-2385-A074-70BDB0982F54}"/>
+              </a:ext>
+            </a:extLst>
+          </p:cNvPr>
+          <p:cNvSpPr txBox="1"/>
+          <p:nvPr/>
+        </p:nvSpPr>
+        <p:spPr>
+          <a:xfrm>
+            <a:off x="45671" y="3686020"/>
+            <a:ext cx="2683145" cy="646331"/>
+          </a:xfrm>
+          <a:prstGeom prst="rect">
+            <a:avLst/>
+          </a:prstGeom>
+          <a:solidFill>
+            <a:schemeClr val="accent2">
+              <a:lumMod val="20000"/>
+              <a:lumOff val="80000"/>
+            </a:schemeClr>
+          </a:solidFill>
+          <a:ln>
+            <a:solidFill>
+              <a:srgbClr val="FF0000"/>
+            </a:solidFill>
+          </a:ln>
+        </p:spPr>
+        <p:txBody>
+          <a:bodyPr wrap="square" rtlCol="0">
+            <a:spAutoFit/>
+          </a:bodyPr>
+          <a:lstStyle/>
+          <a:p>
+            <a:r>
+              <a:rPr lang="en-US" sz="1200" b="0" i="0" dirty="0">
+                <a:solidFill>
+                  <a:srgbClr val="444444"/>
+                </a:solidFill>
+                <a:effectLst/>
+                <a:latin typeface="Calibri" panose="020F0502020204030204" pitchFamily="34" charset="0"/>
+                <a:cs typeface="Calibri" panose="020F0502020204030204" pitchFamily="34" charset="0"/>
+              </a:rPr>
+              <a:t>soak the bottom of the posts in a wood preservative containing copper </a:t>
+            </a:r>
+            <a:r>
+              <a:rPr lang="en-US" sz="1200" b="0" i="0" dirty="0" err="1">
+                <a:solidFill>
+                  <a:srgbClr val="444444"/>
+                </a:solidFill>
+                <a:effectLst/>
+                <a:latin typeface="Calibri" panose="020F0502020204030204" pitchFamily="34" charset="0"/>
+                <a:cs typeface="Calibri" panose="020F0502020204030204" pitchFamily="34" charset="0"/>
+              </a:rPr>
+              <a:t>napthanate</a:t>
+            </a:r>
+            <a:r>
+              <a:rPr lang="en-US" sz="1200" b="0" i="0" dirty="0">
+                <a:solidFill>
+                  <a:srgbClr val="444444"/>
+                </a:solidFill>
+                <a:effectLst/>
+                <a:latin typeface="Calibri" panose="020F0502020204030204" pitchFamily="34" charset="0"/>
+                <a:cs typeface="Calibri" panose="020F0502020204030204" pitchFamily="34" charset="0"/>
+              </a:rPr>
+              <a:t>, such as </a:t>
+            </a:r>
+            <a:r>
+              <a:rPr lang="en-US" sz="1200" b="0" i="0" dirty="0" err="1">
+                <a:solidFill>
+                  <a:srgbClr val="444444"/>
+                </a:solidFill>
+                <a:effectLst/>
+                <a:latin typeface="Calibri" panose="020F0502020204030204" pitchFamily="34" charset="0"/>
+                <a:cs typeface="Calibri" panose="020F0502020204030204" pitchFamily="34" charset="0"/>
+              </a:rPr>
+              <a:t>Cuprinol</a:t>
+            </a:r>
+            <a:r>
+              <a:rPr lang="en-US" sz="1200" b="0" i="0" dirty="0">
+                <a:solidFill>
+                  <a:srgbClr val="444444"/>
+                </a:solidFill>
+                <a:effectLst/>
+                <a:latin typeface="Calibri" panose="020F0502020204030204" pitchFamily="34" charset="0"/>
+                <a:cs typeface="Calibri" panose="020F0502020204030204" pitchFamily="34" charset="0"/>
+              </a:rPr>
+              <a:t>.</a:t>
+            </a:r>
+            <a:endParaRPr lang="en-US" sz="1200" dirty="0">
+              <a:latin typeface="Calibri" panose="020F0502020204030204" pitchFamily="34" charset="0"/>
+              <a:cs typeface="Calibri" panose="020F0502020204030204" pitchFamily="34" charset="0"/>
+            </a:endParaRPr>
+          </a:p>
+        </p:txBody>
+      </p:sp>
+      <p:sp>
+        <p:nvSpPr>
+          <p:cNvPr id="6" name="TextBox 5">
+            <a:extLst>
+              <a:ext uri="{FF2B5EF4-FFF2-40B4-BE49-F238E27FC236}">
+                <a16:creationId xmlns:a16="http://schemas.microsoft.com/office/drawing/2014/main" id="{B228F151-C903-A50B-99EA-FC80F0525792}"/>
+              </a:ext>
+            </a:extLst>
+          </p:cNvPr>
+          <p:cNvSpPr txBox="1"/>
+          <p:nvPr/>
+        </p:nvSpPr>
+        <p:spPr>
+          <a:xfrm>
+            <a:off x="108857" y="87086"/>
+            <a:ext cx="5407523" cy="523220"/>
+          </a:xfrm>
+          <a:prstGeom prst="rect">
+            <a:avLst/>
+          </a:prstGeom>
+          <a:noFill/>
+        </p:spPr>
+        <p:txBody>
+          <a:bodyPr wrap="square" rtlCol="0">
+            <a:spAutoFit/>
+          </a:bodyPr>
+          <a:lstStyle/>
+          <a:p>
+            <a:r>
+              <a:rPr lang="en-US" sz="2800" b="1" dirty="0"/>
+              <a:t>Setting up poles</a:t>
+            </a:r>
+          </a:p>
+        </p:txBody>
+      </p:sp>
+      <p:pic>
+        <p:nvPicPr>
+          <p:cNvPr id="1026" name="Picture 2" descr="How to Set Cedar Fence Posts That Won't Rot | Family Handyman">
+            <a:extLst>
+              <a:ext uri="{FF2B5EF4-FFF2-40B4-BE49-F238E27FC236}">
+                <a16:creationId xmlns:a16="http://schemas.microsoft.com/office/drawing/2014/main" id="{8E834153-8DB0-8038-D00E-1DE034BFFB09}"/>
+              </a:ext>
+            </a:extLst>
+          </p:cNvPr>
+          <p:cNvPicPr>
+            <a:picLocks noChangeAspect="1" noChangeArrowheads="1"/>
+          </p:cNvPicPr>
+          <p:nvPr/>
+        </p:nvPicPr>
+        <p:blipFill>
+          <a:blip r:embed="rId2" cstate="email">
+            <a:extLst>
+              <a:ext uri="{28A0092B-C50C-407E-A947-70E740481C1C}">
+                <a14:useLocalDpi xmlns:a14="http://schemas.microsoft.com/office/drawing/2010/main"/>
+              </a:ext>
+            </a:extLst>
+          </a:blip>
+          <a:srcRect/>
+          <a:stretch>
+            <a:fillRect/>
+          </a:stretch>
+        </p:blipFill>
+        <p:spPr bwMode="auto">
+          <a:xfrm>
+            <a:off x="8424651" y="153835"/>
+            <a:ext cx="3533582" cy="3533582"/>
+          </a:xfrm>
+          <a:prstGeom prst="rect">
+            <a:avLst/>
+          </a:prstGeom>
+          <a:noFill/>
+          <a:extLst>
+            <a:ext uri="{909E8E84-426E-40DD-AFC4-6F175D3DCCD1}">
+              <a14:hiddenFill xmlns:a14="http://schemas.microsoft.com/office/drawing/2010/main">
+                <a:solidFill>
+                  <a:srgbClr val="FFFFFF"/>
+                </a:solidFill>
+              </a14:hiddenFill>
+            </a:ext>
+          </a:extLst>
+        </p:spPr>
+      </p:pic>
+      <p:pic>
+        <p:nvPicPr>
+          <p:cNvPr id="7" name="Picture 6">
+            <a:extLst>
+              <a:ext uri="{FF2B5EF4-FFF2-40B4-BE49-F238E27FC236}">
+                <a16:creationId xmlns:a16="http://schemas.microsoft.com/office/drawing/2014/main" id="{373167B9-94F8-0208-5439-80E199EF6104}"/>
+              </a:ext>
+            </a:extLst>
+          </p:cNvPr>
+          <p:cNvPicPr>
+            <a:picLocks noChangeAspect="1"/>
+          </p:cNvPicPr>
+          <p:nvPr/>
+        </p:nvPicPr>
+        <p:blipFill>
+          <a:blip r:embed="rId3" cstate="email">
+            <a:extLst>
+              <a:ext uri="{28A0092B-C50C-407E-A947-70E740481C1C}">
+                <a14:useLocalDpi xmlns:a14="http://schemas.microsoft.com/office/drawing/2010/main"/>
+              </a:ext>
+            </a:extLst>
+          </a:blip>
+          <a:stretch>
+            <a:fillRect/>
+          </a:stretch>
+        </p:blipFill>
+        <p:spPr>
+          <a:xfrm>
+            <a:off x="79182" y="576034"/>
+            <a:ext cx="1709862" cy="1665034"/>
+          </a:xfrm>
+          <a:prstGeom prst="rect">
+            <a:avLst/>
+          </a:prstGeom>
+        </p:spPr>
+      </p:pic>
+      <p:sp>
+        <p:nvSpPr>
+          <p:cNvPr id="8" name="TextBox 7">
+            <a:extLst>
+              <a:ext uri="{FF2B5EF4-FFF2-40B4-BE49-F238E27FC236}">
+                <a16:creationId xmlns:a16="http://schemas.microsoft.com/office/drawing/2014/main" id="{9CE82031-B773-5735-A5B9-4D4E4589E888}"/>
+              </a:ext>
+            </a:extLst>
+          </p:cNvPr>
+          <p:cNvSpPr txBox="1"/>
+          <p:nvPr/>
+        </p:nvSpPr>
+        <p:spPr>
+          <a:xfrm>
+            <a:off x="45671" y="4361578"/>
+            <a:ext cx="3079019" cy="2462213"/>
+          </a:xfrm>
+          <a:prstGeom prst="rect">
+            <a:avLst/>
+          </a:prstGeom>
+          <a:solidFill>
+            <a:schemeClr val="accent2">
+              <a:lumMod val="20000"/>
+              <a:lumOff val="80000"/>
+            </a:schemeClr>
+          </a:solidFill>
+          <a:ln>
+            <a:solidFill>
+              <a:srgbClr val="FF0000"/>
+            </a:solidFill>
+          </a:ln>
+        </p:spPr>
+        <p:txBody>
+          <a:bodyPr wrap="square" rtlCol="0">
+            <a:spAutoFit/>
+          </a:bodyPr>
+          <a:lstStyle/>
+          <a:p>
+            <a:pPr marL="285750" indent="-285750">
+              <a:buFont typeface="Arial" panose="020B0604020202020204" pitchFamily="34" charset="0"/>
+              <a:buChar char="•"/>
+            </a:pPr>
+            <a:r>
+              <a:rPr lang="en-US" sz="1400" dirty="0">
+                <a:solidFill>
+                  <a:srgbClr val="444444"/>
+                </a:solidFill>
+                <a:latin typeface="Calibri" panose="020F0502020204030204" pitchFamily="34" charset="0"/>
+                <a:cs typeface="Calibri" panose="020F0502020204030204" pitchFamily="34" charset="0"/>
+              </a:rPr>
+              <a:t>put ~ 6 inches of stones at the bottom</a:t>
+            </a:r>
+          </a:p>
+          <a:p>
+            <a:pPr marL="285750" indent="-285750">
+              <a:buFont typeface="Arial" panose="020B0604020202020204" pitchFamily="34" charset="0"/>
+              <a:buChar char="•"/>
+            </a:pPr>
+            <a:r>
+              <a:rPr lang="en-US" sz="1400" dirty="0">
+                <a:solidFill>
+                  <a:srgbClr val="444444"/>
+                </a:solidFill>
+                <a:latin typeface="Calibri" panose="020F0502020204030204" pitchFamily="34" charset="0"/>
+                <a:cs typeface="Calibri" panose="020F0502020204030204" pitchFamily="34" charset="0"/>
+              </a:rPr>
+              <a:t>pour in the concrete, make it 2-3 inches above the soil level – to shape it with trowel - smooth and slope it so that water runs away from the post. </a:t>
+            </a:r>
+          </a:p>
+          <a:p>
+            <a:pPr marL="285750" indent="-285750">
+              <a:buFont typeface="Arial" panose="020B0604020202020204" pitchFamily="34" charset="0"/>
+              <a:buChar char="•"/>
+            </a:pPr>
+            <a:r>
+              <a:rPr lang="en-US" sz="1400" dirty="0">
+                <a:solidFill>
+                  <a:srgbClr val="444444"/>
+                </a:solidFill>
+                <a:latin typeface="Calibri" panose="020F0502020204030204" pitchFamily="34" charset="0"/>
+                <a:cs typeface="Calibri" panose="020F0502020204030204" pitchFamily="34" charset="0"/>
+              </a:rPr>
+              <a:t>Seal the base with caulk - exterior acrylic latex caulk, or silicone specifically designed to adhere to concrete. </a:t>
+            </a:r>
+            <a:endParaRPr lang="en-US" sz="1400" dirty="0">
+              <a:latin typeface="Calibri" panose="020F0502020204030204" pitchFamily="34" charset="0"/>
+              <a:cs typeface="Calibri" panose="020F0502020204030204" pitchFamily="34" charset="0"/>
+            </a:endParaRPr>
+          </a:p>
+        </p:txBody>
+      </p:sp>
+      <p:pic>
+        <p:nvPicPr>
+          <p:cNvPr id="9" name="Picture 8">
+            <a:extLst>
+              <a:ext uri="{FF2B5EF4-FFF2-40B4-BE49-F238E27FC236}">
+                <a16:creationId xmlns:a16="http://schemas.microsoft.com/office/drawing/2014/main" id="{68BAAB36-52DC-60E9-6603-C56CE708591A}"/>
+              </a:ext>
+            </a:extLst>
+          </p:cNvPr>
+          <p:cNvPicPr>
+            <a:picLocks noChangeAspect="1"/>
+          </p:cNvPicPr>
+          <p:nvPr/>
+        </p:nvPicPr>
+        <p:blipFill>
+          <a:blip r:embed="rId4" cstate="email">
+            <a:extLst>
+              <a:ext uri="{28A0092B-C50C-407E-A947-70E740481C1C}">
+                <a14:useLocalDpi xmlns:a14="http://schemas.microsoft.com/office/drawing/2010/main"/>
+              </a:ext>
+            </a:extLst>
+          </a:blip>
+          <a:stretch>
+            <a:fillRect/>
+          </a:stretch>
+        </p:blipFill>
+        <p:spPr>
+          <a:xfrm>
+            <a:off x="9650768" y="3728927"/>
+            <a:ext cx="2320622" cy="2192714"/>
+          </a:xfrm>
+          <a:prstGeom prst="rect">
+            <a:avLst/>
+          </a:prstGeom>
+        </p:spPr>
+      </p:pic>
+      <p:pic>
+        <p:nvPicPr>
+          <p:cNvPr id="1028" name="Picture 4" descr="QUIKRETE® - Setting Posts in Concrete">
+            <a:extLst>
+              <a:ext uri="{FF2B5EF4-FFF2-40B4-BE49-F238E27FC236}">
+                <a16:creationId xmlns:a16="http://schemas.microsoft.com/office/drawing/2014/main" id="{09666F1F-12D6-894A-9758-2D6D0F2CBC3E}"/>
+              </a:ext>
+            </a:extLst>
+          </p:cNvPr>
+          <p:cNvPicPr>
+            <a:picLocks noChangeAspect="1" noChangeArrowheads="1"/>
+          </p:cNvPicPr>
+          <p:nvPr/>
+        </p:nvPicPr>
+        <p:blipFill>
+          <a:blip r:embed="rId5" cstate="email">
+            <a:extLst>
+              <a:ext uri="{28A0092B-C50C-407E-A947-70E740481C1C}">
+                <a14:useLocalDpi xmlns:a14="http://schemas.microsoft.com/office/drawing/2010/main"/>
+              </a:ext>
+            </a:extLst>
+          </a:blip>
+          <a:srcRect/>
+          <a:stretch>
+            <a:fillRect/>
+          </a:stretch>
+        </p:blipFill>
+        <p:spPr bwMode="auto">
+          <a:xfrm>
+            <a:off x="2709079" y="153835"/>
+            <a:ext cx="1809033" cy="2350825"/>
+          </a:xfrm>
+          <a:prstGeom prst="rect">
+            <a:avLst/>
+          </a:prstGeom>
+          <a:noFill/>
+          <a:extLst>
+            <a:ext uri="{909E8E84-426E-40DD-AFC4-6F175D3DCCD1}">
+              <a14:hiddenFill xmlns:a14="http://schemas.microsoft.com/office/drawing/2010/main">
+                <a:solidFill>
+                  <a:srgbClr val="FFFFFF"/>
+                </a:solidFill>
+              </a14:hiddenFill>
+            </a:ext>
+          </a:extLst>
+        </p:spPr>
+      </p:pic>
+      <p:sp>
+        <p:nvSpPr>
+          <p:cNvPr id="10" name="TextBox 9">
+            <a:extLst>
+              <a:ext uri="{FF2B5EF4-FFF2-40B4-BE49-F238E27FC236}">
+                <a16:creationId xmlns:a16="http://schemas.microsoft.com/office/drawing/2014/main" id="{22498A19-5570-2B8C-18D5-500AF3EBFD98}"/>
+              </a:ext>
+            </a:extLst>
+          </p:cNvPr>
+          <p:cNvSpPr txBox="1"/>
+          <p:nvPr/>
+        </p:nvSpPr>
+        <p:spPr>
+          <a:xfrm>
+            <a:off x="2709079" y="2559376"/>
+            <a:ext cx="3935380" cy="1169551"/>
+          </a:xfrm>
+          <a:prstGeom prst="rect">
+            <a:avLst/>
+          </a:prstGeom>
+          <a:solidFill>
+            <a:schemeClr val="accent2">
+              <a:lumMod val="20000"/>
+              <a:lumOff val="80000"/>
+            </a:schemeClr>
+          </a:solidFill>
+          <a:ln>
+            <a:solidFill>
+              <a:srgbClr val="FF0000"/>
+            </a:solidFill>
+          </a:ln>
+        </p:spPr>
+        <p:txBody>
+          <a:bodyPr wrap="square" rtlCol="0">
+            <a:spAutoFit/>
+          </a:bodyPr>
+          <a:lstStyle/>
+          <a:p>
+            <a:pPr marL="285750" indent="-285750">
+              <a:buFont typeface="Arial" panose="020B0604020202020204" pitchFamily="34" charset="0"/>
+              <a:buChar char="•"/>
+            </a:pPr>
+            <a:r>
+              <a:rPr lang="en-US" sz="1400" dirty="0">
+                <a:latin typeface="Calibri" panose="020F0502020204030204" pitchFamily="34" charset="0"/>
+                <a:cs typeface="Calibri" panose="020F0502020204030204" pitchFamily="34" charset="0"/>
+              </a:rPr>
+              <a:t>regular concrete or </a:t>
+            </a:r>
+            <a:r>
+              <a:rPr lang="en-US" sz="1400" dirty="0" err="1">
+                <a:solidFill>
+                  <a:srgbClr val="444444"/>
+                </a:solidFill>
+                <a:latin typeface="Calibri" panose="020F0502020204030204" pitchFamily="34" charset="0"/>
+                <a:cs typeface="Calibri" panose="020F0502020204030204" pitchFamily="34" charset="0"/>
+              </a:rPr>
+              <a:t>QuickCrete</a:t>
+            </a:r>
+            <a:r>
+              <a:rPr lang="en-US" sz="1400" dirty="0">
+                <a:solidFill>
+                  <a:srgbClr val="444444"/>
+                </a:solidFill>
+                <a:latin typeface="Calibri" panose="020F0502020204030204" pitchFamily="34" charset="0"/>
+                <a:cs typeface="Calibri" panose="020F0502020204030204" pitchFamily="34" charset="0"/>
+              </a:rPr>
+              <a:t>, Blue Circle </a:t>
+            </a:r>
+            <a:r>
+              <a:rPr lang="en-US" sz="1400" dirty="0" err="1">
+                <a:solidFill>
+                  <a:srgbClr val="444444"/>
+                </a:solidFill>
+                <a:latin typeface="Calibri" panose="020F0502020204030204" pitchFamily="34" charset="0"/>
+                <a:cs typeface="Calibri" panose="020F0502020204030204" pitchFamily="34" charset="0"/>
+              </a:rPr>
+              <a:t>PostCrete</a:t>
+            </a:r>
+            <a:r>
+              <a:rPr lang="en-US" sz="1400" dirty="0">
+                <a:solidFill>
+                  <a:srgbClr val="444444"/>
+                </a:solidFill>
+                <a:latin typeface="Calibri" panose="020F0502020204030204" pitchFamily="34" charset="0"/>
+                <a:cs typeface="Calibri" panose="020F0502020204030204" pitchFamily="34" charset="0"/>
+              </a:rPr>
+              <a:t>, etc.  100 </a:t>
+            </a:r>
+            <a:r>
+              <a:rPr lang="en-US" sz="1400" dirty="0" err="1">
+                <a:solidFill>
+                  <a:srgbClr val="444444"/>
+                </a:solidFill>
+                <a:latin typeface="Calibri" panose="020F0502020204030204" pitchFamily="34" charset="0"/>
+                <a:cs typeface="Calibri" panose="020F0502020204030204" pitchFamily="34" charset="0"/>
+              </a:rPr>
+              <a:t>lbs</a:t>
+            </a:r>
+            <a:r>
+              <a:rPr lang="en-US" sz="1400" dirty="0">
+                <a:solidFill>
+                  <a:srgbClr val="444444"/>
+                </a:solidFill>
+                <a:latin typeface="Calibri" panose="020F0502020204030204" pitchFamily="34" charset="0"/>
+                <a:cs typeface="Calibri" panose="020F0502020204030204" pitchFamily="34" charset="0"/>
+              </a:rPr>
+              <a:t> per hole + water. can mix outside in a wheelbarrow (best), or you can pour dry with some water (or mix in the hole)</a:t>
+            </a:r>
+          </a:p>
+          <a:p>
+            <a:pPr marL="285750" indent="-285750">
+              <a:buFont typeface="Arial" panose="020B0604020202020204" pitchFamily="34" charset="0"/>
+              <a:buChar char="•"/>
+            </a:pPr>
+            <a:r>
+              <a:rPr lang="en-US" sz="1400" dirty="0">
+                <a:latin typeface="Calibri" panose="020F0502020204030204" pitchFamily="34" charset="0"/>
+                <a:cs typeface="Calibri" panose="020F0502020204030204" pitchFamily="34" charset="0"/>
+              </a:rPr>
+              <a:t>sika post fix foam</a:t>
+            </a:r>
+          </a:p>
+        </p:txBody>
+      </p:sp>
+      <p:sp>
+        <p:nvSpPr>
+          <p:cNvPr id="11" name="TextBox 10">
+            <a:extLst>
+              <a:ext uri="{FF2B5EF4-FFF2-40B4-BE49-F238E27FC236}">
+                <a16:creationId xmlns:a16="http://schemas.microsoft.com/office/drawing/2014/main" id="{5B1CED84-AB04-C88D-0F1A-E75B9AF050C3}"/>
+              </a:ext>
+            </a:extLst>
+          </p:cNvPr>
+          <p:cNvSpPr txBox="1"/>
+          <p:nvPr/>
+        </p:nvSpPr>
+        <p:spPr>
+          <a:xfrm>
+            <a:off x="3331364" y="5869684"/>
+            <a:ext cx="5407524" cy="954107"/>
+          </a:xfrm>
+          <a:prstGeom prst="rect">
+            <a:avLst/>
+          </a:prstGeom>
+          <a:solidFill>
+            <a:schemeClr val="accent2">
+              <a:lumMod val="20000"/>
+              <a:lumOff val="80000"/>
+            </a:schemeClr>
+          </a:solidFill>
+          <a:ln>
+            <a:solidFill>
+              <a:srgbClr val="FF0000"/>
+            </a:solidFill>
+          </a:ln>
+        </p:spPr>
+        <p:txBody>
+          <a:bodyPr wrap="square" rtlCol="0">
+            <a:spAutoFit/>
+          </a:bodyPr>
+          <a:lstStyle/>
+          <a:p>
+            <a:pPr marL="285750" indent="-285750">
+              <a:buFont typeface="Arial" panose="020B0604020202020204" pitchFamily="34" charset="0"/>
+              <a:buChar char="•"/>
+            </a:pPr>
+            <a:r>
+              <a:rPr lang="en-US" sz="1400" dirty="0">
+                <a:latin typeface="Calibri" panose="020F0502020204030204" pitchFamily="34" charset="0"/>
+                <a:cs typeface="Calibri" panose="020F0502020204030204" pitchFamily="34" charset="0"/>
+                <a:hlinkClick r:id="rId6"/>
+              </a:rPr>
+              <a:t>https://www.youtube.com/</a:t>
+            </a:r>
+            <a:r>
+              <a:rPr lang="en-US" sz="1400" dirty="0" err="1">
+                <a:latin typeface="Calibri" panose="020F0502020204030204" pitchFamily="34" charset="0"/>
+                <a:cs typeface="Calibri" panose="020F0502020204030204" pitchFamily="34" charset="0"/>
+                <a:hlinkClick r:id="rId6"/>
+              </a:rPr>
+              <a:t>watch?v</a:t>
+            </a:r>
+            <a:r>
+              <a:rPr lang="en-US" sz="1400" dirty="0">
+                <a:latin typeface="Calibri" panose="020F0502020204030204" pitchFamily="34" charset="0"/>
+                <a:cs typeface="Calibri" panose="020F0502020204030204" pitchFamily="34" charset="0"/>
+                <a:hlinkClick r:id="rId6"/>
+              </a:rPr>
+              <a:t>=elr7DukLChY</a:t>
+            </a:r>
+            <a:endParaRPr lang="en-US" sz="1400" dirty="0">
+              <a:latin typeface="Calibri" panose="020F0502020204030204" pitchFamily="34" charset="0"/>
+              <a:cs typeface="Calibri" panose="020F0502020204030204" pitchFamily="34" charset="0"/>
+            </a:endParaRPr>
+          </a:p>
+          <a:p>
+            <a:pPr marL="285750" indent="-285750">
+              <a:buFont typeface="Arial" panose="020B0604020202020204" pitchFamily="34" charset="0"/>
+              <a:buChar char="•"/>
+            </a:pPr>
+            <a:r>
+              <a:rPr lang="en-US" sz="1400" dirty="0">
+                <a:latin typeface="Calibri" panose="020F0502020204030204" pitchFamily="34" charset="0"/>
+                <a:cs typeface="Calibri" panose="020F0502020204030204" pitchFamily="34" charset="0"/>
+                <a:hlinkClick r:id="rId7"/>
+              </a:rPr>
+              <a:t>https://www.youtube.com/watch?v=CW3GDUznJPw</a:t>
+            </a:r>
+            <a:endParaRPr lang="en-US" sz="1400" dirty="0">
+              <a:latin typeface="Calibri" panose="020F0502020204030204" pitchFamily="34" charset="0"/>
+              <a:cs typeface="Calibri" panose="020F0502020204030204" pitchFamily="34" charset="0"/>
+            </a:endParaRPr>
+          </a:p>
+          <a:p>
+            <a:pPr marL="285750" indent="-285750">
+              <a:buFont typeface="Arial" panose="020B0604020202020204" pitchFamily="34" charset="0"/>
+              <a:buChar char="•"/>
+            </a:pPr>
+            <a:r>
+              <a:rPr lang="en-US" sz="1400" dirty="0">
+                <a:latin typeface="Calibri" panose="020F0502020204030204" pitchFamily="34" charset="0"/>
+                <a:cs typeface="Calibri" panose="020F0502020204030204" pitchFamily="34" charset="0"/>
+                <a:hlinkClick r:id="rId8"/>
+              </a:rPr>
+              <a:t>https://www.youtube.com/watch?v=pI-pCSxD0GY </a:t>
+            </a:r>
+            <a:endParaRPr lang="en-US" sz="1400" dirty="0">
+              <a:latin typeface="Calibri" panose="020F0502020204030204" pitchFamily="34" charset="0"/>
+              <a:cs typeface="Calibri" panose="020F0502020204030204" pitchFamily="34" charset="0"/>
+            </a:endParaRPr>
+          </a:p>
+          <a:p>
+            <a:pPr marL="285750" indent="-285750">
+              <a:buFont typeface="Arial" panose="020B0604020202020204" pitchFamily="34" charset="0"/>
+              <a:buChar char="•"/>
+            </a:pPr>
+            <a:r>
+              <a:rPr lang="en-US" sz="1400" dirty="0">
+                <a:latin typeface="Calibri" panose="020F0502020204030204" pitchFamily="34" charset="0"/>
+                <a:cs typeface="Calibri" panose="020F0502020204030204" pitchFamily="34" charset="0"/>
+                <a:hlinkClick r:id="rId9"/>
+              </a:rPr>
+              <a:t>https://</a:t>
+            </a:r>
+            <a:r>
+              <a:rPr lang="en-US" sz="1400" dirty="0" err="1">
+                <a:latin typeface="Calibri" panose="020F0502020204030204" pitchFamily="34" charset="0"/>
+                <a:cs typeface="Calibri" panose="020F0502020204030204" pitchFamily="34" charset="0"/>
+                <a:hlinkClick r:id="rId9"/>
+              </a:rPr>
+              <a:t>www.youtube.com</a:t>
+            </a:r>
+            <a:r>
+              <a:rPr lang="en-US" sz="1400" dirty="0">
+                <a:latin typeface="Calibri" panose="020F0502020204030204" pitchFamily="34" charset="0"/>
+                <a:cs typeface="Calibri" panose="020F0502020204030204" pitchFamily="34" charset="0"/>
+                <a:hlinkClick r:id="rId9"/>
+              </a:rPr>
+              <a:t>/</a:t>
+            </a:r>
+            <a:r>
+              <a:rPr lang="en-US" sz="1400" dirty="0" err="1">
+                <a:latin typeface="Calibri" panose="020F0502020204030204" pitchFamily="34" charset="0"/>
+                <a:cs typeface="Calibri" panose="020F0502020204030204" pitchFamily="34" charset="0"/>
+                <a:hlinkClick r:id="rId9"/>
+              </a:rPr>
+              <a:t>watch?v</a:t>
+            </a:r>
+            <a:r>
+              <a:rPr lang="en-US" sz="1400" dirty="0">
+                <a:latin typeface="Calibri" panose="020F0502020204030204" pitchFamily="34" charset="0"/>
+                <a:cs typeface="Calibri" panose="020F0502020204030204" pitchFamily="34" charset="0"/>
+                <a:hlinkClick r:id="rId9"/>
+              </a:rPr>
+              <a:t>=CCZBjkjP5CE </a:t>
+            </a:r>
+            <a:endParaRPr lang="en-US" sz="1400" dirty="0">
+              <a:latin typeface="Calibri" panose="020F0502020204030204" pitchFamily="34" charset="0"/>
+              <a:cs typeface="Calibri" panose="020F0502020204030204" pitchFamily="34" charset="0"/>
+            </a:endParaRPr>
+          </a:p>
+        </p:txBody>
+      </p:sp>
+      <p:pic>
+        <p:nvPicPr>
+          <p:cNvPr id="1030" name="Picture 6" descr="Image">
+            <a:extLst>
+              <a:ext uri="{FF2B5EF4-FFF2-40B4-BE49-F238E27FC236}">
+                <a16:creationId xmlns:a16="http://schemas.microsoft.com/office/drawing/2014/main" id="{094A3990-E99A-A1FB-C388-37B259BE0EEB}"/>
+              </a:ext>
+            </a:extLst>
+          </p:cNvPr>
+          <p:cNvPicPr>
+            <a:picLocks noChangeAspect="1" noChangeArrowheads="1"/>
+          </p:cNvPicPr>
+          <p:nvPr/>
+        </p:nvPicPr>
+        <p:blipFill>
+          <a:blip r:embed="rId10" cstate="email">
+            <a:extLst>
+              <a:ext uri="{28A0092B-C50C-407E-A947-70E740481C1C}">
+                <a14:useLocalDpi xmlns:a14="http://schemas.microsoft.com/office/drawing/2010/main"/>
+              </a:ext>
+            </a:extLst>
+          </a:blip>
+          <a:srcRect/>
+          <a:stretch>
+            <a:fillRect/>
+          </a:stretch>
+        </p:blipFill>
+        <p:spPr bwMode="auto">
+          <a:xfrm>
+            <a:off x="6849389" y="0"/>
+            <a:ext cx="1399174" cy="1979834"/>
+          </a:xfrm>
+          <a:prstGeom prst="rect">
+            <a:avLst/>
+          </a:prstGeom>
+          <a:noFill/>
+          <a:extLst>
+            <a:ext uri="{909E8E84-426E-40DD-AFC4-6F175D3DCCD1}">
+              <a14:hiddenFill xmlns:a14="http://schemas.microsoft.com/office/drawing/2010/main">
+                <a:solidFill>
+                  <a:srgbClr val="FFFFFF"/>
+                </a:solidFill>
+              </a14:hiddenFill>
+            </a:ext>
+          </a:extLst>
+        </p:spPr>
+      </p:pic>
+      <p:sp>
+        <p:nvSpPr>
+          <p:cNvPr id="12" name="TextBox 11">
+            <a:extLst>
+              <a:ext uri="{FF2B5EF4-FFF2-40B4-BE49-F238E27FC236}">
+                <a16:creationId xmlns:a16="http://schemas.microsoft.com/office/drawing/2014/main" id="{1CA26617-2536-914D-A23C-5CA917484825}"/>
+              </a:ext>
+            </a:extLst>
+          </p:cNvPr>
+          <p:cNvSpPr txBox="1"/>
+          <p:nvPr/>
+        </p:nvSpPr>
+        <p:spPr>
+          <a:xfrm>
+            <a:off x="3331364" y="3783643"/>
+            <a:ext cx="3489257" cy="2031325"/>
+          </a:xfrm>
+          <a:prstGeom prst="rect">
+            <a:avLst/>
+          </a:prstGeom>
+          <a:solidFill>
+            <a:schemeClr val="accent2">
+              <a:lumMod val="20000"/>
+              <a:lumOff val="80000"/>
+            </a:schemeClr>
+          </a:solidFill>
+          <a:ln>
+            <a:solidFill>
+              <a:srgbClr val="FF0000"/>
+            </a:solidFill>
+          </a:ln>
+        </p:spPr>
+        <p:txBody>
+          <a:bodyPr wrap="square" rtlCol="0">
+            <a:spAutoFit/>
+          </a:bodyPr>
+          <a:lstStyle/>
+          <a:p>
+            <a:r>
+              <a:rPr lang="en-US" sz="1400" b="0" i="0" dirty="0" err="1">
+                <a:solidFill>
+                  <a:srgbClr val="001D35"/>
+                </a:solidFill>
+                <a:effectLst/>
+                <a:latin typeface="Google Sans"/>
+              </a:rPr>
+              <a:t>QuickCrete</a:t>
+            </a:r>
+            <a:r>
+              <a:rPr lang="en-US" sz="1400" b="0" i="0" dirty="0">
+                <a:solidFill>
+                  <a:srgbClr val="001D35"/>
+                </a:solidFill>
+                <a:effectLst/>
+                <a:latin typeface="Google Sans"/>
+              </a:rPr>
+              <a:t> (Fast-Setting Concrete Mix) is a blend of sand, gravel, and fast-setting cements. </a:t>
+            </a:r>
+          </a:p>
+          <a:p>
+            <a:r>
+              <a:rPr lang="en-US" sz="1400" dirty="0">
+                <a:solidFill>
+                  <a:srgbClr val="001D35"/>
+                </a:solidFill>
+                <a:latin typeface="Google Sans"/>
+              </a:rPr>
+              <a:t>It sets in ~ 20 min. But you don't have to wait. Once you fill the hole around the post, you don't have to stabilize it. You can immediately start working on another post.</a:t>
+            </a:r>
+          </a:p>
+          <a:p>
+            <a:r>
+              <a:rPr lang="en-US" sz="1400" dirty="0">
+                <a:solidFill>
+                  <a:srgbClr val="001D35"/>
+                </a:solidFill>
+                <a:latin typeface="Google Sans"/>
+                <a:cs typeface="Calibri" panose="020F0502020204030204" pitchFamily="34" charset="0"/>
+              </a:rPr>
+              <a:t>Professionals do not stabilize the posts with external stabilizers - there is no need. </a:t>
+            </a:r>
+            <a:endParaRPr lang="en-US" sz="1400" dirty="0">
+              <a:latin typeface="Calibri" panose="020F0502020204030204" pitchFamily="34" charset="0"/>
+              <a:cs typeface="Calibri" panose="020F0502020204030204" pitchFamily="34" charset="0"/>
+            </a:endParaRPr>
+          </a:p>
+        </p:txBody>
+      </p:sp>
+      <p:pic>
+        <p:nvPicPr>
+          <p:cNvPr id="2" name="Picture 2" descr="How to Mix Concrete (DIY)">
+            <a:extLst>
+              <a:ext uri="{FF2B5EF4-FFF2-40B4-BE49-F238E27FC236}">
+                <a16:creationId xmlns:a16="http://schemas.microsoft.com/office/drawing/2014/main" id="{D545A18E-C8E8-BDED-A5E2-334CE5BD5FBF}"/>
+              </a:ext>
+            </a:extLst>
+          </p:cNvPr>
+          <p:cNvPicPr>
+            <a:picLocks noChangeAspect="1" noChangeArrowheads="1"/>
+          </p:cNvPicPr>
+          <p:nvPr/>
+        </p:nvPicPr>
+        <p:blipFill>
+          <a:blip r:embed="rId11" cstate="email">
+            <a:extLst>
+              <a:ext uri="{28A0092B-C50C-407E-A947-70E740481C1C}">
+                <a14:useLocalDpi xmlns:a14="http://schemas.microsoft.com/office/drawing/2010/main"/>
+              </a:ext>
+            </a:extLst>
+          </a:blip>
+          <a:srcRect/>
+          <a:stretch>
+            <a:fillRect/>
+          </a:stretch>
+        </p:blipFill>
+        <p:spPr bwMode="auto">
+          <a:xfrm>
+            <a:off x="4611448" y="173566"/>
+            <a:ext cx="1780607" cy="1335455"/>
+          </a:xfrm>
+          <a:prstGeom prst="rect">
+            <a:avLst/>
+          </a:prstGeom>
+          <a:noFill/>
+          <a:extLst>
+            <a:ext uri="{909E8E84-426E-40DD-AFC4-6F175D3DCCD1}">
+              <a14:hiddenFill xmlns:a14="http://schemas.microsoft.com/office/drawing/2010/main">
+                <a:solidFill>
+                  <a:srgbClr val="FFFFFF"/>
+                </a:solidFill>
+              </a14:hiddenFill>
+            </a:ext>
+          </a:extLst>
+        </p:spPr>
+      </p:pic>
+      <p:pic>
+        <p:nvPicPr>
+          <p:cNvPr id="4" name="Picture 4" descr="Quikrete Fast Setting Concrete Mix 50Lb">
+            <a:extLst>
+              <a:ext uri="{FF2B5EF4-FFF2-40B4-BE49-F238E27FC236}">
+                <a16:creationId xmlns:a16="http://schemas.microsoft.com/office/drawing/2014/main" id="{62B47895-FB7E-236B-1459-C50DB2843990}"/>
+              </a:ext>
+            </a:extLst>
+          </p:cNvPr>
+          <p:cNvPicPr>
+            <a:picLocks noChangeAspect="1" noChangeArrowheads="1"/>
+          </p:cNvPicPr>
+          <p:nvPr/>
+        </p:nvPicPr>
+        <p:blipFill rotWithShape="1">
+          <a:blip r:embed="rId12" cstate="email">
+            <a:extLst>
+              <a:ext uri="{28A0092B-C50C-407E-A947-70E740481C1C}">
+                <a14:useLocalDpi xmlns:a14="http://schemas.microsoft.com/office/drawing/2010/main"/>
+              </a:ext>
+            </a:extLst>
+          </a:blip>
+          <a:srcRect/>
+          <a:stretch/>
+        </p:blipFill>
+        <p:spPr bwMode="auto">
+          <a:xfrm>
+            <a:off x="4711311" y="1529077"/>
+            <a:ext cx="1554896" cy="975584"/>
+          </a:xfrm>
+          <a:prstGeom prst="rect">
+            <a:avLst/>
+          </a:prstGeom>
+          <a:noFill/>
+          <a:extLst>
+            <a:ext uri="{909E8E84-426E-40DD-AFC4-6F175D3DCCD1}">
+              <a14:hiddenFill xmlns:a14="http://schemas.microsoft.com/office/drawing/2010/main">
+                <a:solidFill>
+                  <a:srgbClr val="FFFFFF"/>
+                </a:solidFill>
+              </a14:hiddenFill>
+            </a:ext>
+          </a:extLst>
+        </p:spPr>
+      </p:pic>
+      <p:sp>
+        <p:nvSpPr>
+          <p:cNvPr id="5" name="TextBox 4">
+            <a:extLst>
+              <a:ext uri="{FF2B5EF4-FFF2-40B4-BE49-F238E27FC236}">
+                <a16:creationId xmlns:a16="http://schemas.microsoft.com/office/drawing/2014/main" id="{E7F7964A-90FB-51A1-D6C1-FE63AD8FBD68}"/>
+              </a:ext>
+            </a:extLst>
+          </p:cNvPr>
+          <p:cNvSpPr txBox="1"/>
+          <p:nvPr/>
+        </p:nvSpPr>
+        <p:spPr>
+          <a:xfrm>
+            <a:off x="6868022" y="3568199"/>
+            <a:ext cx="2595162" cy="2246769"/>
+          </a:xfrm>
+          <a:prstGeom prst="rect">
+            <a:avLst/>
+          </a:prstGeom>
+          <a:solidFill>
+            <a:schemeClr val="accent2">
+              <a:lumMod val="20000"/>
+              <a:lumOff val="80000"/>
+            </a:schemeClr>
+          </a:solidFill>
+          <a:ln>
+            <a:solidFill>
+              <a:srgbClr val="FF0000"/>
+            </a:solidFill>
+          </a:ln>
+        </p:spPr>
+        <p:txBody>
+          <a:bodyPr wrap="square" rtlCol="0">
+            <a:spAutoFit/>
+          </a:bodyPr>
+          <a:lstStyle/>
+          <a:p>
+            <a:r>
+              <a:rPr lang="en-US" sz="1400" b="0" i="0" dirty="0">
+                <a:solidFill>
+                  <a:srgbClr val="001D35"/>
+                </a:solidFill>
+                <a:effectLst/>
+                <a:latin typeface="Google Sans"/>
+              </a:rPr>
+              <a:t>Example for </a:t>
+            </a:r>
+            <a:r>
+              <a:rPr lang="en-US" sz="1400" dirty="0" err="1">
+                <a:solidFill>
+                  <a:srgbClr val="444444"/>
+                </a:solidFill>
+                <a:latin typeface="Calibri" panose="020F0502020204030204" pitchFamily="34" charset="0"/>
+                <a:cs typeface="Calibri" panose="020F0502020204030204" pitchFamily="34" charset="0"/>
+              </a:rPr>
+              <a:t>QuickCrete</a:t>
+            </a:r>
+            <a:r>
+              <a:rPr lang="en-US" sz="1400" dirty="0">
+                <a:solidFill>
+                  <a:srgbClr val="444444"/>
+                </a:solidFill>
+                <a:latin typeface="Calibri" panose="020F0502020204030204" pitchFamily="34" charset="0"/>
+                <a:cs typeface="Calibri" panose="020F0502020204030204" pitchFamily="34" charset="0"/>
+              </a:rPr>
+              <a:t> </a:t>
+            </a:r>
+            <a:r>
+              <a:rPr lang="en-US" sz="1400" b="0" i="0" dirty="0">
+                <a:solidFill>
+                  <a:srgbClr val="001D35"/>
+                </a:solidFill>
+                <a:effectLst/>
+                <a:latin typeface="Google Sans"/>
+              </a:rPr>
+              <a:t>: </a:t>
+            </a:r>
+          </a:p>
+          <a:p>
+            <a:r>
+              <a:rPr lang="en-US" sz="1400" dirty="0">
+                <a:latin typeface="Calibri" panose="020F0502020204030204" pitchFamily="34" charset="0"/>
+                <a:cs typeface="Calibri" panose="020F0502020204030204" pitchFamily="34" charset="0"/>
+              </a:rPr>
+              <a:t>25 posts * 100 </a:t>
+            </a:r>
+            <a:r>
+              <a:rPr lang="en-US" sz="1400" dirty="0" err="1">
+                <a:latin typeface="Calibri" panose="020F0502020204030204" pitchFamily="34" charset="0"/>
+                <a:cs typeface="Calibri" panose="020F0502020204030204" pitchFamily="34" charset="0"/>
+              </a:rPr>
+              <a:t>lbs</a:t>
+            </a:r>
+            <a:r>
+              <a:rPr lang="en-US" sz="1400" dirty="0">
+                <a:latin typeface="Calibri" panose="020F0502020204030204" pitchFamily="34" charset="0"/>
+                <a:cs typeface="Calibri" panose="020F0502020204030204" pitchFamily="34" charset="0"/>
+              </a:rPr>
+              <a:t> = 2,500 </a:t>
+            </a:r>
+            <a:r>
+              <a:rPr lang="en-US" sz="1400" dirty="0" err="1">
+                <a:latin typeface="Calibri" panose="020F0502020204030204" pitchFamily="34" charset="0"/>
+                <a:cs typeface="Calibri" panose="020F0502020204030204" pitchFamily="34" charset="0"/>
+              </a:rPr>
+              <a:t>lbs</a:t>
+            </a:r>
+            <a:endParaRPr lang="en-US" sz="1400" dirty="0">
+              <a:latin typeface="Calibri" panose="020F0502020204030204" pitchFamily="34" charset="0"/>
+              <a:cs typeface="Calibri" panose="020F0502020204030204" pitchFamily="34" charset="0"/>
+            </a:endParaRPr>
+          </a:p>
+          <a:p>
+            <a:r>
+              <a:rPr lang="en-US" sz="1400" dirty="0">
+                <a:latin typeface="Calibri" panose="020F0502020204030204" pitchFamily="34" charset="0"/>
+                <a:cs typeface="Calibri" panose="020F0502020204030204" pitchFamily="34" charset="0"/>
+              </a:rPr>
+              <a:t>$8/100lbs, 25*8 = $200 total</a:t>
+            </a:r>
+          </a:p>
+          <a:p>
+            <a:endParaRPr lang="en-US" sz="1400" dirty="0">
+              <a:latin typeface="Calibri" panose="020F0502020204030204" pitchFamily="34" charset="0"/>
+              <a:cs typeface="Calibri" panose="020F0502020204030204" pitchFamily="34" charset="0"/>
+            </a:endParaRPr>
+          </a:p>
+          <a:p>
+            <a:r>
+              <a:rPr lang="en-US" sz="1400" dirty="0">
+                <a:latin typeface="Calibri" panose="020F0502020204030204" pitchFamily="34" charset="0"/>
+                <a:cs typeface="Calibri" panose="020F0502020204030204" pitchFamily="34" charset="0"/>
+              </a:rPr>
+              <a:t>Toyota Sienna max payload is 1,400 </a:t>
+            </a:r>
+            <a:r>
+              <a:rPr lang="en-US" sz="1400" dirty="0" err="1">
+                <a:latin typeface="Calibri" panose="020F0502020204030204" pitchFamily="34" charset="0"/>
+                <a:cs typeface="Calibri" panose="020F0502020204030204" pitchFamily="34" charset="0"/>
+              </a:rPr>
+              <a:t>lbs</a:t>
+            </a:r>
+            <a:r>
+              <a:rPr lang="en-US" sz="1400" dirty="0">
+                <a:latin typeface="Calibri" panose="020F0502020204030204" pitchFamily="34" charset="0"/>
+                <a:cs typeface="Calibri" panose="020F0502020204030204" pitchFamily="34" charset="0"/>
+              </a:rPr>
+              <a:t> (including driver)</a:t>
+            </a:r>
+          </a:p>
+          <a:p>
+            <a:r>
+              <a:rPr lang="en-US" sz="1400" dirty="0">
+                <a:latin typeface="Calibri" panose="020F0502020204030204" pitchFamily="34" charset="0"/>
+                <a:cs typeface="Calibri" panose="020F0502020204030204" pitchFamily="34" charset="0"/>
+              </a:rPr>
+              <a:t>Assuming we can drive 1,000 </a:t>
+            </a:r>
+            <a:r>
+              <a:rPr lang="en-US" sz="1400" dirty="0" err="1">
+                <a:latin typeface="Calibri" panose="020F0502020204030204" pitchFamily="34" charset="0"/>
+                <a:cs typeface="Calibri" panose="020F0502020204030204" pitchFamily="34" charset="0"/>
+              </a:rPr>
+              <a:t>lbs</a:t>
+            </a:r>
+            <a:r>
+              <a:rPr lang="en-US" sz="1400" dirty="0">
+                <a:latin typeface="Calibri" panose="020F0502020204030204" pitchFamily="34" charset="0"/>
+                <a:cs typeface="Calibri" panose="020F0502020204030204" pitchFamily="34" charset="0"/>
+              </a:rPr>
+              <a:t>, it will take us 3 trips</a:t>
+            </a:r>
+          </a:p>
+          <a:p>
+            <a:r>
+              <a:rPr lang="en-US" sz="1400" dirty="0">
+                <a:latin typeface="Calibri" panose="020F0502020204030204" pitchFamily="34" charset="0"/>
+                <a:cs typeface="Calibri" panose="020F0502020204030204" pitchFamily="34" charset="0"/>
+              </a:rPr>
+              <a:t>Or just one trip using a trailer (Toyota can tow 3,500 </a:t>
+            </a:r>
+            <a:r>
+              <a:rPr lang="en-US" sz="1400" dirty="0" err="1">
+                <a:latin typeface="Calibri" panose="020F0502020204030204" pitchFamily="34" charset="0"/>
+                <a:cs typeface="Calibri" panose="020F0502020204030204" pitchFamily="34" charset="0"/>
+              </a:rPr>
+              <a:t>lbs</a:t>
+            </a:r>
+            <a:r>
+              <a:rPr lang="en-US" sz="1400" dirty="0">
+                <a:latin typeface="Calibri" panose="020F0502020204030204" pitchFamily="34" charset="0"/>
+                <a:cs typeface="Calibri" panose="020F0502020204030204" pitchFamily="34" charset="0"/>
+              </a:rPr>
+              <a:t>)</a:t>
+            </a:r>
+          </a:p>
+        </p:txBody>
+      </p:sp>
+      <p:pic>
+        <p:nvPicPr>
+          <p:cNvPr id="13" name="Picture 12">
+            <a:extLst>
+              <a:ext uri="{FF2B5EF4-FFF2-40B4-BE49-F238E27FC236}">
+                <a16:creationId xmlns:a16="http://schemas.microsoft.com/office/drawing/2014/main" id="{832BA87D-D8EF-DBAA-33FE-F24D8C80AC6F}"/>
+              </a:ext>
+            </a:extLst>
+          </p:cNvPr>
+          <p:cNvPicPr>
+            <a:picLocks noChangeAspect="1"/>
+          </p:cNvPicPr>
+          <p:nvPr/>
+        </p:nvPicPr>
+        <p:blipFill>
+          <a:blip r:embed="rId13" cstate="email">
+            <a:extLst>
+              <a:ext uri="{28A0092B-C50C-407E-A947-70E740481C1C}">
+                <a14:useLocalDpi xmlns:a14="http://schemas.microsoft.com/office/drawing/2010/main"/>
+              </a:ext>
+            </a:extLst>
+          </a:blip>
+          <a:stretch>
+            <a:fillRect/>
+          </a:stretch>
+        </p:blipFill>
+        <p:spPr>
+          <a:xfrm>
+            <a:off x="79181" y="2245745"/>
+            <a:ext cx="1709861" cy="1417669"/>
+          </a:xfrm>
+          <a:prstGeom prst="rect">
+            <a:avLst/>
+          </a:prstGeom>
+        </p:spPr>
+      </p:pic>
+      <p:pic>
+        <p:nvPicPr>
+          <p:cNvPr id="14" name="Picture 13">
+            <a:extLst>
+              <a:ext uri="{FF2B5EF4-FFF2-40B4-BE49-F238E27FC236}">
+                <a16:creationId xmlns:a16="http://schemas.microsoft.com/office/drawing/2014/main" id="{741A0EAD-BA0F-DF4B-1FAE-B73E1B427BB1}"/>
+              </a:ext>
+            </a:extLst>
+          </p:cNvPr>
+          <p:cNvPicPr>
+            <a:picLocks noChangeAspect="1"/>
+          </p:cNvPicPr>
+          <p:nvPr/>
+        </p:nvPicPr>
+        <p:blipFill>
+          <a:blip r:embed="rId14" cstate="email">
+            <a:extLst>
+              <a:ext uri="{28A0092B-C50C-407E-A947-70E740481C1C}">
+                <a14:useLocalDpi xmlns:a14="http://schemas.microsoft.com/office/drawing/2010/main"/>
+              </a:ext>
+            </a:extLst>
+          </a:blip>
+          <a:stretch>
+            <a:fillRect/>
+          </a:stretch>
+        </p:blipFill>
+        <p:spPr>
+          <a:xfrm>
+            <a:off x="1823088" y="1141005"/>
+            <a:ext cx="786347" cy="2456724"/>
+          </a:xfrm>
+          <a:prstGeom prst="rect">
+            <a:avLst/>
+          </a:prstGeom>
+        </p:spPr>
+      </p:pic>
+    </p:spTree>
+    <p:extLst>
+      <p:ext uri="{BB962C8B-B14F-4D97-AF65-F5344CB8AC3E}">
+        <p14:creationId xmlns:p14="http://schemas.microsoft.com/office/powerpoint/2010/main" val="2730872583"/>
+      </p:ext>
+    </p:extLst>
+  </p:cSld>
+  <p:clrMapOvr>
+    <a:masterClrMapping/>
+  </p:clrMapOvr>
+</p:sld>
+</file>
+
 <file path=ppt/slides/slide2.xml><?xml version="1.0" encoding="utf-8"?>
 <p:sld xmlns:a="http://schemas.openxmlformats.org/drawingml/2006/main" xmlns:r="http://schemas.openxmlformats.org/officeDocument/2006/relationships" xmlns:p="http://schemas.openxmlformats.org/presentationml/2006/main">
   <p:cSld>
